--- a/CR - Cost Report/Preparation oral/Make_or_buy_decisions.pptx
+++ b/CR - Cost Report/Preparation oral/Make_or_buy_decisions.pptx
@@ -3076,7 +3076,7 @@
         <p:spPr>
           <a:xfrm>
             <a:off x="-998" y="1794579"/>
-            <a:ext cx="8840198" cy="634429"/>
+            <a:ext cx="7241061" cy="634429"/>
           </a:xfrm>
           <a:solidFill>
             <a:srgbClr val="FF0000"/>
@@ -3183,16 +3183,16 @@
           <a:lstStyle/>
           <a:p>
             <a:r>
-              <a:rPr lang="fr-FR" dirty="0"/>
-              <a:t>Lorem</a:t>
-            </a:r>
-            <a:r>
-              <a:rPr lang="fr-FR" dirty="0"/>
-              <a:t> Le format d’impression </a:t>
-            </a:r>
-            <a:r>
-              <a:rPr lang="fr-FR" dirty="0" smtClean="0"/>
-              <a:t>A2</a:t>
+              <a:rPr lang="en-US" dirty="0" smtClean="0"/>
+              <a:t>Diagram to represent the procedure </a:t>
+            </a:r>
+            <a:r>
+              <a:rPr lang="en-US" dirty="0"/>
+              <a:t>to arbitrate decisions between </a:t>
+            </a:r>
+            <a:r>
+              <a:rPr lang="en-US" dirty="0" smtClean="0"/>
+              <a:t>make or buy.</a:t>
             </a:r>
             <a:endParaRPr lang="fr-FR" dirty="0"/>
           </a:p>
@@ -3236,7 +3236,7 @@
       </p:pic>
       <p:pic>
         <p:nvPicPr>
-          <p:cNvPr id="8" name="Image 7"/>
+          <p:cNvPr id="4" name="Image 3"/>
           <p:cNvPicPr>
             <a:picLocks noChangeAspect="1"/>
           </p:cNvPicPr>
@@ -3256,14 +3256,275 @@
         </p:blipFill>
         <p:spPr>
           <a:xfrm>
-            <a:off x="0" y="3211498"/>
-            <a:ext cx="9340084" cy="7403078"/>
+            <a:off x="159640" y="3045045"/>
+            <a:ext cx="7080423" cy="7412526"/>
           </a:xfrm>
           <a:prstGeom prst="rect">
             <a:avLst/>
           </a:prstGeom>
         </p:spPr>
       </p:pic>
+      <p:sp>
+        <p:nvSpPr>
+          <p:cNvPr id="10" name="Sous-titre 2">
+            <a:extLst>
+              <a:ext uri="{FF2B5EF4-FFF2-40B4-BE49-F238E27FC236}">
+                <a16:creationId xmlns:a16="http://schemas.microsoft.com/office/drawing/2014/main" id="{808DE715-F904-4140-8716-64B0FE5B1176}"/>
+              </a:ext>
+            </a:extLst>
+          </p:cNvPr>
+          <p:cNvSpPr txBox="1">
+            <a:spLocks/>
+          </p:cNvSpPr>
+          <p:nvPr/>
+        </p:nvSpPr>
+        <p:spPr>
+          <a:xfrm>
+            <a:off x="7878289" y="1794579"/>
+            <a:ext cx="7241061" cy="634429"/>
+          </a:xfrm>
+          <a:prstGeom prst="rect">
+            <a:avLst/>
+          </a:prstGeom>
+          <a:solidFill>
+            <a:srgbClr val="FF0000"/>
+          </a:solidFill>
+          <a:ln>
+            <a:noFill/>
+          </a:ln>
+        </p:spPr>
+        <p:txBody>
+          <a:bodyPr vert="horz" lIns="91440" tIns="45720" rIns="91440" bIns="45720" rtlCol="0" anchor="ctr">
+            <a:normAutofit lnSpcReduction="10000"/>
+          </a:bodyPr>
+          <a:lstStyle>
+            <a:lvl1pPr marL="0" indent="0" algn="ctr" defTabSz="1425550" rtl="0" eaLnBrk="1" latinLnBrk="0" hangingPunct="1">
+              <a:lnSpc>
+                <a:spcPct val="90000"/>
+              </a:lnSpc>
+              <a:spcBef>
+                <a:spcPts val="1559"/>
+              </a:spcBef>
+              <a:buFont typeface="Arial" panose="020B0604020202020204" pitchFamily="34" charset="0"/>
+              <a:buNone/>
+              <a:defRPr sz="3742" kern="1200">
+                <a:solidFill>
+                  <a:schemeClr val="tx1"/>
+                </a:solidFill>
+                <a:latin typeface="+mn-lt"/>
+                <a:ea typeface="+mn-ea"/>
+                <a:cs typeface="+mn-cs"/>
+              </a:defRPr>
+            </a:lvl1pPr>
+            <a:lvl2pPr marL="712775" indent="0" algn="ctr" defTabSz="1425550" rtl="0" eaLnBrk="1" latinLnBrk="0" hangingPunct="1">
+              <a:lnSpc>
+                <a:spcPct val="90000"/>
+              </a:lnSpc>
+              <a:spcBef>
+                <a:spcPts val="780"/>
+              </a:spcBef>
+              <a:buFont typeface="Arial" panose="020B0604020202020204" pitchFamily="34" charset="0"/>
+              <a:buNone/>
+              <a:defRPr sz="3118" kern="1200">
+                <a:solidFill>
+                  <a:schemeClr val="tx1"/>
+                </a:solidFill>
+                <a:latin typeface="+mn-lt"/>
+                <a:ea typeface="+mn-ea"/>
+                <a:cs typeface="+mn-cs"/>
+              </a:defRPr>
+            </a:lvl2pPr>
+            <a:lvl3pPr marL="1425550" indent="0" algn="ctr" defTabSz="1425550" rtl="0" eaLnBrk="1" latinLnBrk="0" hangingPunct="1">
+              <a:lnSpc>
+                <a:spcPct val="90000"/>
+              </a:lnSpc>
+              <a:spcBef>
+                <a:spcPts val="780"/>
+              </a:spcBef>
+              <a:buFont typeface="Arial" panose="020B0604020202020204" pitchFamily="34" charset="0"/>
+              <a:buNone/>
+              <a:defRPr sz="2806" kern="1200">
+                <a:solidFill>
+                  <a:schemeClr val="tx1"/>
+                </a:solidFill>
+                <a:latin typeface="+mn-lt"/>
+                <a:ea typeface="+mn-ea"/>
+                <a:cs typeface="+mn-cs"/>
+              </a:defRPr>
+            </a:lvl3pPr>
+            <a:lvl4pPr marL="2138324" indent="0" algn="ctr" defTabSz="1425550" rtl="0" eaLnBrk="1" latinLnBrk="0" hangingPunct="1">
+              <a:lnSpc>
+                <a:spcPct val="90000"/>
+              </a:lnSpc>
+              <a:spcBef>
+                <a:spcPts val="780"/>
+              </a:spcBef>
+              <a:buFont typeface="Arial" panose="020B0604020202020204" pitchFamily="34" charset="0"/>
+              <a:buNone/>
+              <a:defRPr sz="2494" kern="1200">
+                <a:solidFill>
+                  <a:schemeClr val="tx1"/>
+                </a:solidFill>
+                <a:latin typeface="+mn-lt"/>
+                <a:ea typeface="+mn-ea"/>
+                <a:cs typeface="+mn-cs"/>
+              </a:defRPr>
+            </a:lvl4pPr>
+            <a:lvl5pPr marL="2851099" indent="0" algn="ctr" defTabSz="1425550" rtl="0" eaLnBrk="1" latinLnBrk="0" hangingPunct="1">
+              <a:lnSpc>
+                <a:spcPct val="90000"/>
+              </a:lnSpc>
+              <a:spcBef>
+                <a:spcPts val="780"/>
+              </a:spcBef>
+              <a:buFont typeface="Arial" panose="020B0604020202020204" pitchFamily="34" charset="0"/>
+              <a:buNone/>
+              <a:defRPr sz="2494" kern="1200">
+                <a:solidFill>
+                  <a:schemeClr val="tx1"/>
+                </a:solidFill>
+                <a:latin typeface="+mn-lt"/>
+                <a:ea typeface="+mn-ea"/>
+                <a:cs typeface="+mn-cs"/>
+              </a:defRPr>
+            </a:lvl5pPr>
+            <a:lvl6pPr marL="3563874" indent="0" algn="ctr" defTabSz="1425550" rtl="0" eaLnBrk="1" latinLnBrk="0" hangingPunct="1">
+              <a:lnSpc>
+                <a:spcPct val="90000"/>
+              </a:lnSpc>
+              <a:spcBef>
+                <a:spcPts val="780"/>
+              </a:spcBef>
+              <a:buFont typeface="Arial" panose="020B0604020202020204" pitchFamily="34" charset="0"/>
+              <a:buNone/>
+              <a:defRPr sz="2494" kern="1200">
+                <a:solidFill>
+                  <a:schemeClr val="tx1"/>
+                </a:solidFill>
+                <a:latin typeface="+mn-lt"/>
+                <a:ea typeface="+mn-ea"/>
+                <a:cs typeface="+mn-cs"/>
+              </a:defRPr>
+            </a:lvl6pPr>
+            <a:lvl7pPr marL="4276649" indent="0" algn="ctr" defTabSz="1425550" rtl="0" eaLnBrk="1" latinLnBrk="0" hangingPunct="1">
+              <a:lnSpc>
+                <a:spcPct val="90000"/>
+              </a:lnSpc>
+              <a:spcBef>
+                <a:spcPts val="780"/>
+              </a:spcBef>
+              <a:buFont typeface="Arial" panose="020B0604020202020204" pitchFamily="34" charset="0"/>
+              <a:buNone/>
+              <a:defRPr sz="2494" kern="1200">
+                <a:solidFill>
+                  <a:schemeClr val="tx1"/>
+                </a:solidFill>
+                <a:latin typeface="+mn-lt"/>
+                <a:ea typeface="+mn-ea"/>
+                <a:cs typeface="+mn-cs"/>
+              </a:defRPr>
+            </a:lvl7pPr>
+            <a:lvl8pPr marL="4989424" indent="0" algn="ctr" defTabSz="1425550" rtl="0" eaLnBrk="1" latinLnBrk="0" hangingPunct="1">
+              <a:lnSpc>
+                <a:spcPct val="90000"/>
+              </a:lnSpc>
+              <a:spcBef>
+                <a:spcPts val="780"/>
+              </a:spcBef>
+              <a:buFont typeface="Arial" panose="020B0604020202020204" pitchFamily="34" charset="0"/>
+              <a:buNone/>
+              <a:defRPr sz="2494" kern="1200">
+                <a:solidFill>
+                  <a:schemeClr val="tx1"/>
+                </a:solidFill>
+                <a:latin typeface="+mn-lt"/>
+                <a:ea typeface="+mn-ea"/>
+                <a:cs typeface="+mn-cs"/>
+              </a:defRPr>
+            </a:lvl8pPr>
+            <a:lvl9pPr marL="5702198" indent="0" algn="ctr" defTabSz="1425550" rtl="0" eaLnBrk="1" latinLnBrk="0" hangingPunct="1">
+              <a:lnSpc>
+                <a:spcPct val="90000"/>
+              </a:lnSpc>
+              <a:spcBef>
+                <a:spcPts val="780"/>
+              </a:spcBef>
+              <a:buFont typeface="Arial" panose="020B0604020202020204" pitchFamily="34" charset="0"/>
+              <a:buNone/>
+              <a:defRPr sz="2494" kern="1200">
+                <a:solidFill>
+                  <a:schemeClr val="tx1"/>
+                </a:solidFill>
+                <a:latin typeface="+mn-lt"/>
+                <a:ea typeface="+mn-ea"/>
+                <a:cs typeface="+mn-cs"/>
+              </a:defRPr>
+            </a:lvl9pPr>
+          </a:lstStyle>
+          <a:p>
+            <a:r>
+              <a:rPr lang="fr-FR" sz="4000" dirty="0" smtClean="0">
+                <a:solidFill>
+                  <a:schemeClr val="bg1"/>
+                </a:solidFill>
+                <a:latin typeface="Raleway" panose="020B0503030101060003" pitchFamily="34" charset="0"/>
+              </a:rPr>
+              <a:t>Arbitrage </a:t>
+            </a:r>
+            <a:r>
+              <a:rPr lang="fr-FR" sz="4000" dirty="0" err="1" smtClean="0">
+                <a:solidFill>
+                  <a:schemeClr val="bg1"/>
+                </a:solidFill>
+                <a:latin typeface="Raleway" panose="020B0503030101060003" pitchFamily="34" charset="0"/>
+              </a:rPr>
+              <a:t>between</a:t>
+            </a:r>
+            <a:r>
+              <a:rPr lang="fr-FR" sz="4000" dirty="0" smtClean="0">
+                <a:solidFill>
+                  <a:schemeClr val="bg1"/>
+                </a:solidFill>
+                <a:latin typeface="Raleway" panose="020B0503030101060003" pitchFamily="34" charset="0"/>
+              </a:rPr>
+              <a:t> </a:t>
+            </a:r>
+            <a:r>
+              <a:rPr lang="fr-FR" sz="4000" dirty="0" err="1" smtClean="0">
+                <a:solidFill>
+                  <a:schemeClr val="bg1"/>
+                </a:solidFill>
+                <a:latin typeface="Raleway" panose="020B0503030101060003" pitchFamily="34" charset="0"/>
+              </a:rPr>
+              <a:t>make</a:t>
+            </a:r>
+            <a:r>
+              <a:rPr lang="fr-FR" sz="4000" dirty="0" smtClean="0">
+                <a:solidFill>
+                  <a:schemeClr val="bg1"/>
+                </a:solidFill>
+                <a:latin typeface="Raleway" panose="020B0503030101060003" pitchFamily="34" charset="0"/>
+              </a:rPr>
+              <a:t> and </a:t>
+            </a:r>
+            <a:r>
+              <a:rPr lang="fr-FR" sz="4000" dirty="0" err="1" smtClean="0">
+                <a:solidFill>
+                  <a:schemeClr val="bg1"/>
+                </a:solidFill>
+                <a:latin typeface="Raleway" panose="020B0503030101060003" pitchFamily="34" charset="0"/>
+              </a:rPr>
+              <a:t>buy</a:t>
+            </a:r>
+            <a:endParaRPr lang="fr-FR" sz="4000" dirty="0">
+              <a:solidFill>
+                <a:schemeClr val="bg1"/>
+              </a:solidFill>
+              <a:latin typeface="Raleway" panose="020B0503030101060003" pitchFamily="34" charset="0"/>
+            </a:endParaRPr>
+          </a:p>
+        </p:txBody>
+      </p:sp>
     </p:spTree>
     <p:extLst>
       <p:ext uri="{BB962C8B-B14F-4D97-AF65-F5344CB8AC3E}">

--- a/CR - Cost Report/Preparation oral/Make_or_buy_decisions.pptx
+++ b/CR - Cost Report/Preparation oral/Make_or_buy_decisions.pptx
@@ -243,7 +243,7 @@
           <a:p>
             <a:fld id="{87EC601A-297D-4A12-AD95-A95491B22D44}" type="datetimeFigureOut">
               <a:rPr lang="fr-FR" smtClean="0"/>
-              <a:t>22/07/2019</a:t>
+              <a:t>23/07/2019</a:t>
             </a:fld>
             <a:endParaRPr lang="fr-FR"/>
           </a:p>
@@ -413,7 +413,7 @@
           <a:p>
             <a:fld id="{87EC601A-297D-4A12-AD95-A95491B22D44}" type="datetimeFigureOut">
               <a:rPr lang="fr-FR" smtClean="0"/>
-              <a:t>22/07/2019</a:t>
+              <a:t>23/07/2019</a:t>
             </a:fld>
             <a:endParaRPr lang="fr-FR"/>
           </a:p>
@@ -593,7 +593,7 @@
           <a:p>
             <a:fld id="{87EC601A-297D-4A12-AD95-A95491B22D44}" type="datetimeFigureOut">
               <a:rPr lang="fr-FR" smtClean="0"/>
-              <a:t>22/07/2019</a:t>
+              <a:t>23/07/2019</a:t>
             </a:fld>
             <a:endParaRPr lang="fr-FR"/>
           </a:p>
@@ -763,7 +763,7 @@
           <a:p>
             <a:fld id="{87EC601A-297D-4A12-AD95-A95491B22D44}" type="datetimeFigureOut">
               <a:rPr lang="fr-FR" smtClean="0"/>
-              <a:t>22/07/2019</a:t>
+              <a:t>23/07/2019</a:t>
             </a:fld>
             <a:endParaRPr lang="fr-FR"/>
           </a:p>
@@ -1007,7 +1007,7 @@
           <a:p>
             <a:fld id="{87EC601A-297D-4A12-AD95-A95491B22D44}" type="datetimeFigureOut">
               <a:rPr lang="fr-FR" smtClean="0"/>
-              <a:t>22/07/2019</a:t>
+              <a:t>23/07/2019</a:t>
             </a:fld>
             <a:endParaRPr lang="fr-FR"/>
           </a:p>
@@ -1239,7 +1239,7 @@
           <a:p>
             <a:fld id="{87EC601A-297D-4A12-AD95-A95491B22D44}" type="datetimeFigureOut">
               <a:rPr lang="fr-FR" smtClean="0"/>
-              <a:t>22/07/2019</a:t>
+              <a:t>23/07/2019</a:t>
             </a:fld>
             <a:endParaRPr lang="fr-FR"/>
           </a:p>
@@ -1606,7 +1606,7 @@
           <a:p>
             <a:fld id="{87EC601A-297D-4A12-AD95-A95491B22D44}" type="datetimeFigureOut">
               <a:rPr lang="fr-FR" smtClean="0"/>
-              <a:t>22/07/2019</a:t>
+              <a:t>23/07/2019</a:t>
             </a:fld>
             <a:endParaRPr lang="fr-FR"/>
           </a:p>
@@ -1724,7 +1724,7 @@
           <a:p>
             <a:fld id="{87EC601A-297D-4A12-AD95-A95491B22D44}" type="datetimeFigureOut">
               <a:rPr lang="fr-FR" smtClean="0"/>
-              <a:t>22/07/2019</a:t>
+              <a:t>23/07/2019</a:t>
             </a:fld>
             <a:endParaRPr lang="fr-FR"/>
           </a:p>
@@ -1819,7 +1819,7 @@
           <a:p>
             <a:fld id="{87EC601A-297D-4A12-AD95-A95491B22D44}" type="datetimeFigureOut">
               <a:rPr lang="fr-FR" smtClean="0"/>
-              <a:t>22/07/2019</a:t>
+              <a:t>23/07/2019</a:t>
             </a:fld>
             <a:endParaRPr lang="fr-FR"/>
           </a:p>
@@ -2096,7 +2096,7 @@
           <a:p>
             <a:fld id="{87EC601A-297D-4A12-AD95-A95491B22D44}" type="datetimeFigureOut">
               <a:rPr lang="fr-FR" smtClean="0"/>
-              <a:t>22/07/2019</a:t>
+              <a:t>23/07/2019</a:t>
             </a:fld>
             <a:endParaRPr lang="fr-FR"/>
           </a:p>
@@ -2353,7 +2353,7 @@
           <a:p>
             <a:fld id="{87EC601A-297D-4A12-AD95-A95491B22D44}" type="datetimeFigureOut">
               <a:rPr lang="fr-FR" smtClean="0"/>
-              <a:t>22/07/2019</a:t>
+              <a:t>23/07/2019</a:t>
             </a:fld>
             <a:endParaRPr lang="fr-FR"/>
           </a:p>
@@ -2566,7 +2566,7 @@
           <a:p>
             <a:fld id="{87EC601A-297D-4A12-AD95-A95491B22D44}" type="datetimeFigureOut">
               <a:rPr lang="fr-FR" smtClean="0"/>
-              <a:t>22/07/2019</a:t>
+              <a:t>23/07/2019</a:t>
             </a:fld>
             <a:endParaRPr lang="fr-FR"/>
           </a:p>
@@ -3134,7 +3134,25 @@
                 </a:solidFill>
                 <a:latin typeface="Raleway" panose="020B0503030101060003" pitchFamily="34" charset="0"/>
               </a:rPr>
-              <a:t> and </a:t>
+              <a:t> </a:t>
+            </a:r>
+            <a:r>
+              <a:rPr lang="fr-FR" sz="4000" dirty="0" smtClean="0">
+                <a:solidFill>
+                  <a:schemeClr val="bg1"/>
+                </a:solidFill>
+                <a:latin typeface="Raleway" panose="020B0503030101060003" pitchFamily="34" charset="0"/>
+              </a:rPr>
+              <a:t>or</a:t>
+            </a:r>
+            <a:r>
+              <a:rPr lang="fr-FR" sz="4000" dirty="0" smtClean="0">
+                <a:solidFill>
+                  <a:schemeClr val="bg1"/>
+                </a:solidFill>
+                <a:latin typeface="Raleway" panose="020B0503030101060003" pitchFamily="34" charset="0"/>
+              </a:rPr>
+              <a:t> </a:t>
             </a:r>
             <a:r>
               <a:rPr lang="fr-FR" sz="4000" dirty="0" err="1" smtClean="0">
@@ -3280,8 +3298,8 @@
         </p:nvSpPr>
         <p:spPr>
           <a:xfrm>
-            <a:off x="7878289" y="1794579"/>
-            <a:ext cx="7241061" cy="634429"/>
+            <a:off x="9793449" y="1794579"/>
+            <a:ext cx="5325901" cy="634429"/>
           </a:xfrm>
           <a:prstGeom prst="rect">
             <a:avLst/>
@@ -3463,58 +3481,22 @@
           </a:lstStyle>
           <a:p>
             <a:r>
+              <a:rPr lang="fr-FR" sz="4000" dirty="0" err="1" smtClean="0">
+                <a:solidFill>
+                  <a:schemeClr val="bg1"/>
+                </a:solidFill>
+                <a:latin typeface="Raleway" panose="020B0503030101060003" pitchFamily="34" charset="0"/>
+              </a:rPr>
+              <a:t>Bought</a:t>
+            </a:r>
+            <a:r>
               <a:rPr lang="fr-FR" sz="4000" dirty="0" smtClean="0">
                 <a:solidFill>
                   <a:schemeClr val="bg1"/>
                 </a:solidFill>
                 <a:latin typeface="Raleway" panose="020B0503030101060003" pitchFamily="34" charset="0"/>
               </a:rPr>
-              <a:t>Arbitrage </a:t>
-            </a:r>
-            <a:r>
-              <a:rPr lang="fr-FR" sz="4000" dirty="0" err="1" smtClean="0">
-                <a:solidFill>
-                  <a:schemeClr val="bg1"/>
-                </a:solidFill>
-                <a:latin typeface="Raleway" panose="020B0503030101060003" pitchFamily="34" charset="0"/>
-              </a:rPr>
-              <a:t>between</a:t>
-            </a:r>
-            <a:r>
-              <a:rPr lang="fr-FR" sz="4000" dirty="0" smtClean="0">
-                <a:solidFill>
-                  <a:schemeClr val="bg1"/>
-                </a:solidFill>
-                <a:latin typeface="Raleway" panose="020B0503030101060003" pitchFamily="34" charset="0"/>
-              </a:rPr>
-              <a:t> </a:t>
-            </a:r>
-            <a:r>
-              <a:rPr lang="fr-FR" sz="4000" dirty="0" err="1" smtClean="0">
-                <a:solidFill>
-                  <a:schemeClr val="bg1"/>
-                </a:solidFill>
-                <a:latin typeface="Raleway" panose="020B0503030101060003" pitchFamily="34" charset="0"/>
-              </a:rPr>
-              <a:t>make</a:t>
-            </a:r>
-            <a:r>
-              <a:rPr lang="fr-FR" sz="4000" dirty="0" smtClean="0">
-                <a:solidFill>
-                  <a:schemeClr val="bg1"/>
-                </a:solidFill>
-                <a:latin typeface="Raleway" panose="020B0503030101060003" pitchFamily="34" charset="0"/>
-              </a:rPr>
-              <a:t> and </a:t>
-            </a:r>
-            <a:r>
-              <a:rPr lang="fr-FR" sz="4000" dirty="0" err="1" smtClean="0">
-                <a:solidFill>
-                  <a:schemeClr val="bg1"/>
-                </a:solidFill>
-                <a:latin typeface="Raleway" panose="020B0503030101060003" pitchFamily="34" charset="0"/>
-              </a:rPr>
-              <a:t>buy</a:t>
+              <a:t> items</a:t>
             </a:r>
             <a:endParaRPr lang="fr-FR" sz="4000" dirty="0">
               <a:solidFill>
@@ -3525,6 +3507,129 @@
           </a:p>
         </p:txBody>
       </p:sp>
+      <p:pic>
+        <p:nvPicPr>
+          <p:cNvPr id="6" name="Image 5"/>
+          <p:cNvPicPr>
+            <a:picLocks noChangeAspect="1"/>
+          </p:cNvPicPr>
+          <p:nvPr/>
+        </p:nvPicPr>
+        <p:blipFill rotWithShape="1">
+          <a:blip r:embed="rId4">
+            <a:extLst>
+              <a:ext uri="{28A0092B-C50C-407E-A947-70E740481C1C}">
+                <a14:useLocalDpi xmlns:a14="http://schemas.microsoft.com/office/drawing/2010/main" val="0"/>
+              </a:ext>
+            </a:extLst>
+          </a:blip>
+          <a:srcRect t="14521" r="60444" b="-1"/>
+          <a:stretch/>
+        </p:blipFill>
+        <p:spPr>
+          <a:xfrm>
+            <a:off x="9793449" y="4102099"/>
+            <a:ext cx="3978698" cy="4574775"/>
+          </a:xfrm>
+          <a:prstGeom prst="rect">
+            <a:avLst/>
+          </a:prstGeom>
+        </p:spPr>
+      </p:pic>
+      <p:pic>
+        <p:nvPicPr>
+          <p:cNvPr id="12" name="Image 11"/>
+          <p:cNvPicPr>
+            <a:picLocks noChangeAspect="1"/>
+          </p:cNvPicPr>
+          <p:nvPr/>
+        </p:nvPicPr>
+        <p:blipFill rotWithShape="1">
+          <a:blip r:embed="rId4">
+            <a:extLst>
+              <a:ext uri="{28A0092B-C50C-407E-A947-70E740481C1C}">
+                <a14:useLocalDpi xmlns:a14="http://schemas.microsoft.com/office/drawing/2010/main" val="0"/>
+              </a:ext>
+            </a:extLst>
+          </a:blip>
+          <a:srcRect l="41305" b="87439"/>
+          <a:stretch/>
+        </p:blipFill>
+        <p:spPr>
+          <a:xfrm>
+            <a:off x="9793449" y="3262350"/>
+            <a:ext cx="4788378" cy="545236"/>
+          </a:xfrm>
+          <a:prstGeom prst="rect">
+            <a:avLst/>
+          </a:prstGeom>
+        </p:spPr>
+      </p:pic>
+      <p:sp>
+        <p:nvSpPr>
+          <p:cNvPr id="13" name="ZoneTexte 12">
+            <a:extLst>
+              <a:ext uri="{FF2B5EF4-FFF2-40B4-BE49-F238E27FC236}">
+                <a16:creationId xmlns:a16="http://schemas.microsoft.com/office/drawing/2014/main" id="{646198F6-5CC8-4A83-B062-8D4D0BA826DD}"/>
+              </a:ext>
+            </a:extLst>
+          </p:cNvPr>
+          <p:cNvSpPr txBox="1"/>
+          <p:nvPr/>
+        </p:nvSpPr>
+        <p:spPr>
+          <a:xfrm>
+            <a:off x="9793449" y="2676143"/>
+            <a:ext cx="5004623" cy="288220"/>
+          </a:xfrm>
+          <a:prstGeom prst="rect">
+            <a:avLst/>
+          </a:prstGeom>
+          <a:noFill/>
+        </p:spPr>
+        <p:txBody>
+          <a:bodyPr wrap="square" rtlCol="0">
+            <a:spAutoFit/>
+          </a:bodyPr>
+          <a:lstStyle/>
+          <a:p>
+            <a:r>
+              <a:rPr lang="en-US" dirty="0" smtClean="0"/>
+              <a:t>Indicator used to compare products available in the market.</a:t>
+            </a:r>
+            <a:endParaRPr lang="fr-FR" dirty="0"/>
+          </a:p>
+        </p:txBody>
+      </p:sp>
+      <p:pic>
+        <p:nvPicPr>
+          <p:cNvPr id="7" name="Image 6"/>
+          <p:cNvPicPr>
+            <a:picLocks noChangeAspect="1"/>
+          </p:cNvPicPr>
+          <p:nvPr/>
+        </p:nvPicPr>
+        <p:blipFill rotWithShape="1">
+          <a:blip r:embed="rId5">
+            <a:extLst>
+              <a:ext uri="{28A0092B-C50C-407E-A947-70E740481C1C}">
+                <a14:useLocalDpi xmlns:a14="http://schemas.microsoft.com/office/drawing/2010/main" val="0"/>
+              </a:ext>
+            </a:extLst>
+          </a:blip>
+          <a:srcRect t="19158"/>
+          <a:stretch/>
+        </p:blipFill>
+        <p:spPr>
+          <a:xfrm>
+            <a:off x="9793449" y="8735110"/>
+            <a:ext cx="4137660" cy="1564690"/>
+          </a:xfrm>
+          <a:prstGeom prst="rect">
+            <a:avLst/>
+          </a:prstGeom>
+        </p:spPr>
+      </p:pic>
     </p:spTree>
     <p:extLst>
       <p:ext uri="{BB962C8B-B14F-4D97-AF65-F5344CB8AC3E}">
